--- a/final_project.pptx
+++ b/final_project.pptx
@@ -18,9 +18,7 @@
     <p:sldId id="269" r:id="rId12"/>
     <p:sldId id="270" r:id="rId13"/>
     <p:sldId id="262" r:id="rId14"/>
-    <p:sldId id="263" r:id="rId15"/>
-    <p:sldId id="264" r:id="rId16"/>
-    <p:sldId id="271" r:id="rId17"/>
+    <p:sldId id="271" r:id="rId15"/>
   </p:sldIdLst>
   <p:sldSz cx="12192000" cy="6858000"/>
   <p:notesSz cx="6858000" cy="9144000"/>
@@ -7731,35 +7729,225 @@
           <a:p>
             <a:r>
               <a:rPr lang="en-US" dirty="0" smtClean="0"/>
-              <a:t>KNN</a:t>
-            </a:r>
-            <a:endParaRPr lang="en-US" dirty="0"/>
-          </a:p>
-        </p:txBody>
-      </p:sp>
-      <p:sp>
-        <p:nvSpPr>
-          <p:cNvPr id="3" name="Content Placeholder 2"/>
-          <p:cNvSpPr>
-            <a:spLocks noGrp="1"/>
-          </p:cNvSpPr>
+              <a:t>The K’s  - KNN, KKNN &amp; KMEANS</a:t>
+            </a:r>
+            <a:endParaRPr lang="en-US" dirty="0"/>
+          </a:p>
+        </p:txBody>
+      </p:sp>
+      <p:graphicFrame>
+        <p:nvGraphicFramePr>
+          <p:cNvPr id="4" name="Content Placeholder 3"/>
+          <p:cNvGraphicFramePr>
+            <a:graphicFrameLocks noGrp="1"/>
+          </p:cNvGraphicFramePr>
           <p:nvPr>
             <p:ph idx="1"/>
-          </p:nvPr>
-        </p:nvSpPr>
-        <p:spPr/>
-        <p:txBody>
-          <a:bodyPr/>
-          <a:lstStyle/>
-          <a:p>
-            <a:r>
-              <a:rPr lang="en-US" dirty="0" smtClean="0"/>
-              <a:t>TBD results</a:t>
-            </a:r>
-            <a:endParaRPr lang="en-US" dirty="0"/>
-          </a:p>
-        </p:txBody>
-      </p:sp>
+            <p:extLst>
+              <p:ext uri="{D42A27DB-BD31-4B8C-83A1-F6EECF244321}">
+                <p14:modId xmlns:p14="http://schemas.microsoft.com/office/powerpoint/2010/main" val="798587242"/>
+              </p:ext>
+            </p:extLst>
+          </p:nvPr>
+        </p:nvGraphicFramePr>
+        <p:xfrm>
+          <a:off x="1295400" y="2557463"/>
+          <a:ext cx="9478992" cy="1483360"/>
+        </p:xfrm>
+        <a:graphic>
+          <a:graphicData uri="http://schemas.openxmlformats.org/drawingml/2006/table">
+            <a:tbl>
+              <a:tblPr firstRow="1" bandRow="1">
+                <a:tableStyleId>{93296810-A885-4BE3-A3E7-6D5BEEA58F35}</a:tableStyleId>
+              </a:tblPr>
+              <a:tblGrid>
+                <a:gridCol w="3159664"/>
+                <a:gridCol w="3159664"/>
+                <a:gridCol w="3159664"/>
+              </a:tblGrid>
+              <a:tr h="370840">
+                <a:tc>
+                  <a:txBody>
+                    <a:bodyPr/>
+                    <a:lstStyle/>
+                    <a:p>
+                      <a:r>
+                        <a:rPr lang="en-US" dirty="0" smtClean="0"/>
+                        <a:t>Algorithm</a:t>
+                      </a:r>
+                      <a:endParaRPr lang="en-US" dirty="0"/>
+                    </a:p>
+                  </a:txBody>
+                  <a:tcPr/>
+                </a:tc>
+                <a:tc>
+                  <a:txBody>
+                    <a:bodyPr/>
+                    <a:lstStyle/>
+                    <a:p>
+                      <a:r>
+                        <a:rPr lang="en-US" dirty="0" smtClean="0"/>
+                        <a:t>Using (almost)</a:t>
+                      </a:r>
+                      <a:r>
+                        <a:rPr lang="en-US" baseline="0" dirty="0" smtClean="0"/>
+                        <a:t> all columns</a:t>
+                      </a:r>
+                      <a:endParaRPr lang="en-US" dirty="0"/>
+                    </a:p>
+                  </a:txBody>
+                  <a:tcPr/>
+                </a:tc>
+                <a:tc>
+                  <a:txBody>
+                    <a:bodyPr/>
+                    <a:lstStyle/>
+                    <a:p>
+                      <a:r>
+                        <a:rPr lang="en-US" dirty="0" smtClean="0"/>
+                        <a:t>Using some columns</a:t>
+                      </a:r>
+                      <a:endParaRPr lang="en-US" dirty="0"/>
+                    </a:p>
+                  </a:txBody>
+                  <a:tcPr/>
+                </a:tc>
+              </a:tr>
+              <a:tr h="370840">
+                <a:tc>
+                  <a:txBody>
+                    <a:bodyPr/>
+                    <a:lstStyle/>
+                    <a:p>
+                      <a:r>
+                        <a:rPr lang="en-US" dirty="0" smtClean="0"/>
+                        <a:t>KNN (k=5)</a:t>
+                      </a:r>
+                      <a:endParaRPr lang="en-US" dirty="0"/>
+                    </a:p>
+                  </a:txBody>
+                  <a:tcPr/>
+                </a:tc>
+                <a:tc>
+                  <a:txBody>
+                    <a:bodyPr/>
+                    <a:lstStyle/>
+                    <a:p>
+                      <a:r>
+                        <a:rPr lang="en-US" dirty="0" smtClean="0"/>
+                        <a:t>0.6860318</a:t>
+                      </a:r>
+                      <a:endParaRPr lang="en-US" dirty="0"/>
+                    </a:p>
+                  </a:txBody>
+                  <a:tcPr/>
+                </a:tc>
+                <a:tc>
+                  <a:txBody>
+                    <a:bodyPr/>
+                    <a:lstStyle/>
+                    <a:p>
+                      <a:r>
+                        <a:rPr lang="en-US" dirty="0" smtClean="0"/>
+                        <a:t>0.7200471</a:t>
+                      </a:r>
+                      <a:endParaRPr lang="en-US" dirty="0"/>
+                    </a:p>
+                  </a:txBody>
+                  <a:tcPr/>
+                </a:tc>
+              </a:tr>
+              <a:tr h="370840">
+                <a:tc>
+                  <a:txBody>
+                    <a:bodyPr/>
+                    <a:lstStyle/>
+                    <a:p>
+                      <a:r>
+                        <a:rPr lang="en-US" dirty="0" smtClean="0"/>
+                        <a:t>KKNN (k=5)</a:t>
+                      </a:r>
+                      <a:endParaRPr lang="en-US" dirty="0"/>
+                    </a:p>
+                  </a:txBody>
+                  <a:tcPr/>
+                </a:tc>
+                <a:tc>
+                  <a:txBody>
+                    <a:bodyPr/>
+                    <a:lstStyle/>
+                    <a:p>
+                      <a:r>
+                        <a:rPr lang="en-US" dirty="0" smtClean="0"/>
+                        <a:t>0.6526901</a:t>
+                      </a:r>
+                      <a:endParaRPr lang="en-US" dirty="0"/>
+                    </a:p>
+                  </a:txBody>
+                  <a:tcPr/>
+                </a:tc>
+                <a:tc>
+                  <a:txBody>
+                    <a:bodyPr/>
+                    <a:lstStyle/>
+                    <a:p>
+                      <a:r>
+                        <a:rPr lang="en-US" dirty="0" smtClean="0"/>
+                        <a:t>0.6772754</a:t>
+                      </a:r>
+                      <a:endParaRPr lang="en-US" dirty="0"/>
+                    </a:p>
+                  </a:txBody>
+                  <a:tcPr/>
+                </a:tc>
+              </a:tr>
+              <a:tr h="370840">
+                <a:tc>
+                  <a:txBody>
+                    <a:bodyPr/>
+                    <a:lstStyle/>
+                    <a:p>
+                      <a:r>
+                        <a:rPr lang="en-US" dirty="0" smtClean="0"/>
+                        <a:t>KMEANS</a:t>
+                      </a:r>
+                      <a:endParaRPr lang="en-US" dirty="0"/>
+                    </a:p>
+                  </a:txBody>
+                  <a:tcPr/>
+                </a:tc>
+                <a:tc>
+                  <a:txBody>
+                    <a:bodyPr/>
+                    <a:lstStyle/>
+                    <a:p>
+                      <a:r>
+                        <a:rPr lang="en-US" dirty="0" smtClean="0"/>
+                        <a:t>0.885072</a:t>
+                      </a:r>
+                      <a:endParaRPr lang="en-US" dirty="0"/>
+                    </a:p>
+                  </a:txBody>
+                  <a:tcPr/>
+                </a:tc>
+                <a:tc>
+                  <a:txBody>
+                    <a:bodyPr/>
+                    <a:lstStyle/>
+                    <a:p>
+                      <a:r>
+                        <a:rPr lang="en-US" dirty="0" smtClean="0"/>
+                        <a:t>0.8698324</a:t>
+                      </a:r>
+                    </a:p>
+                  </a:txBody>
+                  <a:tcPr/>
+                </a:tc>
+              </a:tr>
+            </a:tbl>
+          </a:graphicData>
+        </a:graphic>
+      </p:graphicFrame>
     </p:spTree>
     <p:extLst>
       <p:ext uri="{BB962C8B-B14F-4D97-AF65-F5344CB8AC3E}">
@@ -7807,158 +7995,6 @@
           <a:p>
             <a:r>
               <a:rPr lang="en-US" dirty="0" smtClean="0"/>
-              <a:t>KKNN</a:t>
-            </a:r>
-            <a:endParaRPr lang="en-US" dirty="0"/>
-          </a:p>
-        </p:txBody>
-      </p:sp>
-      <p:sp>
-        <p:nvSpPr>
-          <p:cNvPr id="3" name="Content Placeholder 2"/>
-          <p:cNvSpPr>
-            <a:spLocks noGrp="1"/>
-          </p:cNvSpPr>
-          <p:nvPr>
-            <p:ph idx="1"/>
-          </p:nvPr>
-        </p:nvSpPr>
-        <p:spPr/>
-        <p:txBody>
-          <a:bodyPr/>
-          <a:lstStyle/>
-          <a:p>
-            <a:r>
-              <a:rPr lang="en-US" dirty="0" smtClean="0"/>
-              <a:t>TBD results</a:t>
-            </a:r>
-            <a:endParaRPr lang="en-US" dirty="0"/>
-          </a:p>
-        </p:txBody>
-      </p:sp>
-    </p:spTree>
-    <p:extLst>
-      <p:ext uri="{BB962C8B-B14F-4D97-AF65-F5344CB8AC3E}">
-        <p14:creationId xmlns:p14="http://schemas.microsoft.com/office/powerpoint/2010/main" val="3229808360"/>
-      </p:ext>
-    </p:extLst>
-  </p:cSld>
-  <p:clrMapOvr>
-    <a:masterClrMapping/>
-  </p:clrMapOvr>
-</p:sld>
-</file>
-
-<file path=ppt/slides/slide15.xml><?xml version="1.0" encoding="utf-8"?>
-<p:sld xmlns:a="http://schemas.openxmlformats.org/drawingml/2006/main" xmlns:r="http://schemas.openxmlformats.org/officeDocument/2006/relationships" xmlns:p="http://schemas.openxmlformats.org/presentationml/2006/main">
-  <p:cSld>
-    <p:spTree>
-      <p:nvGrpSpPr>
-        <p:cNvPr id="1" name=""/>
-        <p:cNvGrpSpPr/>
-        <p:nvPr/>
-      </p:nvGrpSpPr>
-      <p:grpSpPr>
-        <a:xfrm>
-          <a:off x="0" y="0"/>
-          <a:ext cx="0" cy="0"/>
-          <a:chOff x="0" y="0"/>
-          <a:chExt cx="0" cy="0"/>
-        </a:xfrm>
-      </p:grpSpPr>
-      <p:sp>
-        <p:nvSpPr>
-          <p:cNvPr id="2" name="Title 1"/>
-          <p:cNvSpPr>
-            <a:spLocks noGrp="1"/>
-          </p:cNvSpPr>
-          <p:nvPr>
-            <p:ph type="title"/>
-          </p:nvPr>
-        </p:nvSpPr>
-        <p:spPr/>
-        <p:txBody>
-          <a:bodyPr/>
-          <a:lstStyle/>
-          <a:p>
-            <a:r>
-              <a:rPr lang="en-US" dirty="0" smtClean="0"/>
-              <a:t>K-Means</a:t>
-            </a:r>
-            <a:endParaRPr lang="en-US" dirty="0"/>
-          </a:p>
-        </p:txBody>
-      </p:sp>
-      <p:sp>
-        <p:nvSpPr>
-          <p:cNvPr id="3" name="Content Placeholder 2"/>
-          <p:cNvSpPr>
-            <a:spLocks noGrp="1"/>
-          </p:cNvSpPr>
-          <p:nvPr>
-            <p:ph idx="1"/>
-          </p:nvPr>
-        </p:nvSpPr>
-        <p:spPr/>
-        <p:txBody>
-          <a:bodyPr/>
-          <a:lstStyle/>
-          <a:p>
-            <a:r>
-              <a:rPr lang="en-US" dirty="0" smtClean="0"/>
-              <a:t>TBD results</a:t>
-            </a:r>
-            <a:endParaRPr lang="en-US" dirty="0"/>
-          </a:p>
-        </p:txBody>
-      </p:sp>
-    </p:spTree>
-    <p:extLst>
-      <p:ext uri="{BB962C8B-B14F-4D97-AF65-F5344CB8AC3E}">
-        <p14:creationId xmlns:p14="http://schemas.microsoft.com/office/powerpoint/2010/main" val="1038067142"/>
-      </p:ext>
-    </p:extLst>
-  </p:cSld>
-  <p:clrMapOvr>
-    <a:masterClrMapping/>
-  </p:clrMapOvr>
-</p:sld>
-</file>
-
-<file path=ppt/slides/slide16.xml><?xml version="1.0" encoding="utf-8"?>
-<p:sld xmlns:a="http://schemas.openxmlformats.org/drawingml/2006/main" xmlns:r="http://schemas.openxmlformats.org/officeDocument/2006/relationships" xmlns:p="http://schemas.openxmlformats.org/presentationml/2006/main">
-  <p:cSld>
-    <p:spTree>
-      <p:nvGrpSpPr>
-        <p:cNvPr id="1" name=""/>
-        <p:cNvGrpSpPr/>
-        <p:nvPr/>
-      </p:nvGrpSpPr>
-      <p:grpSpPr>
-        <a:xfrm>
-          <a:off x="0" y="0"/>
-          <a:ext cx="0" cy="0"/>
-          <a:chOff x="0" y="0"/>
-          <a:chExt cx="0" cy="0"/>
-        </a:xfrm>
-      </p:grpSpPr>
-      <p:sp>
-        <p:nvSpPr>
-          <p:cNvPr id="2" name="Title 1"/>
-          <p:cNvSpPr>
-            <a:spLocks noGrp="1"/>
-          </p:cNvSpPr>
-          <p:nvPr>
-            <p:ph type="title"/>
-          </p:nvPr>
-        </p:nvSpPr>
-        <p:spPr/>
-        <p:txBody>
-          <a:bodyPr/>
-          <a:lstStyle/>
-          <a:p>
-            <a:r>
-              <a:rPr lang="en-US" dirty="0" smtClean="0"/>
               <a:t>Conclusion</a:t>
             </a:r>
             <a:endParaRPr lang="en-US" dirty="0"/>
@@ -8422,22 +8458,34 @@
         </p:nvSpPr>
         <p:spPr/>
         <p:txBody>
-          <a:bodyPr/>
+          <a:bodyPr>
+            <a:normAutofit/>
+          </a:bodyPr>
           <a:lstStyle/>
           <a:p>
             <a:pPr marL="0" indent="0">
               <a:buNone/>
             </a:pPr>
             <a:r>
-              <a:rPr lang="en-US" dirty="0" smtClean="0"/>
-              <a:t>“The difference between a good data scientist and a great one…”</a:t>
-            </a:r>
-          </a:p>
-          <a:p>
-            <a:pPr marL="0" indent="0">
-              <a:buNone/>
-            </a:pPr>
-            <a:endParaRPr lang="en-US" dirty="0" smtClean="0"/>
+              <a:rPr lang="en-US" sz="2100" b="1" dirty="0" smtClean="0"/>
+              <a:t>“The difference between </a:t>
+            </a:r>
+            <a:r>
+              <a:rPr lang="en-US" sz="2100" b="1" dirty="0"/>
+              <a:t>an average data scientist </a:t>
+            </a:r>
+            <a:r>
+              <a:rPr lang="en-US" sz="2100" b="1" dirty="0" smtClean="0"/>
+              <a:t>and a </a:t>
+            </a:r>
+            <a:r>
+              <a:rPr lang="en-US" sz="2100" b="1" dirty="0"/>
+              <a:t>master data scientist</a:t>
+            </a:r>
+            <a:r>
+              <a:rPr lang="en-US" sz="2100" b="1" dirty="0" smtClean="0"/>
+              <a:t>…”</a:t>
+            </a:r>
           </a:p>
           <a:p>
             <a:r>
@@ -8460,11 +8508,7 @@
           <a:p>
             <a:r>
               <a:rPr lang="en-US" dirty="0" smtClean="0"/>
-              <a:t>Remove columns that do not disperse </a:t>
-            </a:r>
-            <a:r>
-              <a:rPr lang="en-US" smtClean="0"/>
-              <a:t>“properly” (80/20 rule)</a:t>
+              <a:t>Remove columns that do not disperse “properly” (80/20 rule)</a:t>
             </a:r>
             <a:endParaRPr lang="en-US" dirty="0"/>
           </a:p>

--- a/final_project.pptx
+++ b/final_project.pptx
@@ -8656,7 +8656,9 @@
         </p:nvSpPr>
         <p:spPr/>
         <p:txBody>
-          <a:bodyPr/>
+          <a:bodyPr>
+            <a:normAutofit fontScale="92500" lnSpcReduction="20000"/>
+          </a:bodyPr>
           <a:lstStyle/>
           <a:p>
             <a:r>
@@ -8681,6 +8683,31 @@
               <a:rPr lang="en-US" dirty="0" smtClean="0"/>
               <a:t>Random Forest</a:t>
             </a:r>
+          </a:p>
+          <a:p>
+            <a:r>
+              <a:rPr lang="en-US" dirty="0" smtClean="0"/>
+              <a:t>Neural Networks</a:t>
+            </a:r>
+          </a:p>
+          <a:p>
+            <a:r>
+              <a:rPr lang="en-US" dirty="0" smtClean="0"/>
+              <a:t>Logistic Regression</a:t>
+            </a:r>
+          </a:p>
+          <a:p>
+            <a:r>
+              <a:rPr lang="en-US" dirty="0" smtClean="0"/>
+              <a:t>CART</a:t>
+            </a:r>
+          </a:p>
+          <a:p>
+            <a:r>
+              <a:rPr lang="en-US" smtClean="0"/>
+              <a:t>C 4.5</a:t>
+            </a:r>
+            <a:endParaRPr lang="en-US" dirty="0" smtClean="0"/>
           </a:p>
           <a:p>
             <a:endParaRPr lang="en-US" dirty="0"/>

--- a/final_project.pptx
+++ b/final_project.pptx
@@ -7745,14 +7745,14 @@
             <p:ph idx="1"/>
             <p:extLst>
               <p:ext uri="{D42A27DB-BD31-4B8C-83A1-F6EECF244321}">
-                <p14:modId xmlns:p14="http://schemas.microsoft.com/office/powerpoint/2010/main" val="798587242"/>
+                <p14:modId xmlns:p14="http://schemas.microsoft.com/office/powerpoint/2010/main" val="2173874563"/>
               </p:ext>
             </p:extLst>
           </p:nvPr>
         </p:nvGraphicFramePr>
         <p:xfrm>
-          <a:off x="1295400" y="2557463"/>
-          <a:ext cx="9478992" cy="1483360"/>
+          <a:off x="1295398" y="2557463"/>
+          <a:ext cx="6893380" cy="2966720"/>
         </p:xfrm>
         <a:graphic>
           <a:graphicData uri="http://schemas.openxmlformats.org/drawingml/2006/table">
@@ -7761,9 +7761,8 @@
                 <a:tableStyleId>{93296810-A885-4BE3-A3E7-6D5BEEA58F35}</a:tableStyleId>
               </a:tblPr>
               <a:tblGrid>
-                <a:gridCol w="3159664"/>
-                <a:gridCol w="3159664"/>
-                <a:gridCol w="3159664"/>
+                <a:gridCol w="3446690"/>
+                <a:gridCol w="3446690"/>
               </a:tblGrid>
               <a:tr h="370840">
                 <a:tc>
@@ -7773,7 +7772,7 @@
                     <a:p>
                       <a:r>
                         <a:rPr lang="en-US" dirty="0" smtClean="0"/>
-                        <a:t>Algorithm</a:t>
+                        <a:t>Results</a:t>
                       </a:r>
                       <a:endParaRPr lang="en-US" dirty="0"/>
                     </a:p>
@@ -7785,28 +7784,6 @@
                     <a:bodyPr/>
                     <a:lstStyle/>
                     <a:p>
-                      <a:r>
-                        <a:rPr lang="en-US" dirty="0" smtClean="0"/>
-                        <a:t>Using (almost)</a:t>
-                      </a:r>
-                      <a:r>
-                        <a:rPr lang="en-US" baseline="0" dirty="0" smtClean="0"/>
-                        <a:t> all columns</a:t>
-                      </a:r>
-                      <a:endParaRPr lang="en-US" dirty="0"/>
-                    </a:p>
-                  </a:txBody>
-                  <a:tcPr/>
-                </a:tc>
-                <a:tc>
-                  <a:txBody>
-                    <a:bodyPr/>
-                    <a:lstStyle/>
-                    <a:p>
-                      <a:r>
-                        <a:rPr lang="en-US" dirty="0" smtClean="0"/>
-                        <a:t>Using some columns</a:t>
-                      </a:r>
                       <a:endParaRPr lang="en-US" dirty="0"/>
                     </a:p>
                   </a:txBody>
@@ -7833,9 +7810,111 @@
                     <a:bodyPr/>
                     <a:lstStyle/>
                     <a:p>
+                      <a:pPr marL="0" marR="0" lvl="0" indent="0" algn="l" defTabSz="457200" rtl="0" eaLnBrk="1" fontAlgn="auto" latinLnBrk="0" hangingPunct="1">
+                        <a:lnSpc>
+                          <a:spcPct val="100000"/>
+                        </a:lnSpc>
+                        <a:spcBef>
+                          <a:spcPts val="0"/>
+                        </a:spcBef>
+                        <a:spcAft>
+                          <a:spcPts val="0"/>
+                        </a:spcAft>
+                        <a:buClrTx/>
+                        <a:buSzTx/>
+                        <a:buFontTx/>
+                        <a:buNone/>
+                        <a:tabLst/>
+                        <a:defRPr/>
+                      </a:pPr>
                       <a:r>
                         <a:rPr lang="en-US" dirty="0" smtClean="0"/>
-                        <a:t>0.6860318</a:t>
+                        <a:t>0.3309758 </a:t>
+                      </a:r>
+                      <a:r>
+                        <a:rPr lang="en-US" dirty="0" smtClean="0"/>
+                        <a:t>(With almost</a:t>
+                      </a:r>
+                      <a:r>
+                        <a:rPr lang="en-US" baseline="0" dirty="0" smtClean="0"/>
+                        <a:t> all</a:t>
+                      </a:r>
+                      <a:r>
+                        <a:rPr lang="en-US" dirty="0" smtClean="0"/>
+                        <a:t> columns)</a:t>
+                      </a:r>
+                    </a:p>
+                  </a:txBody>
+                  <a:tcPr/>
+                </a:tc>
+              </a:tr>
+              <a:tr h="370840">
+                <a:tc>
+                  <a:txBody>
+                    <a:bodyPr/>
+                    <a:lstStyle/>
+                    <a:p>
+                      <a:r>
+                        <a:rPr lang="en-US" dirty="0" smtClean="0"/>
+                        <a:t>KNN (K=25)</a:t>
+                      </a:r>
+                      <a:endParaRPr lang="en-US" dirty="0"/>
+                    </a:p>
+                  </a:txBody>
+                  <a:tcPr/>
+                </a:tc>
+                <a:tc>
+                  <a:txBody>
+                    <a:bodyPr/>
+                    <a:lstStyle/>
+                    <a:p>
+                      <a:pPr marL="0" marR="0" lvl="0" indent="0" algn="l" defTabSz="457200" rtl="0" eaLnBrk="1" fontAlgn="auto" latinLnBrk="0" hangingPunct="1">
+                        <a:lnSpc>
+                          <a:spcPct val="100000"/>
+                        </a:lnSpc>
+                        <a:spcBef>
+                          <a:spcPts val="0"/>
+                        </a:spcBef>
+                        <a:spcAft>
+                          <a:spcPts val="0"/>
+                        </a:spcAft>
+                        <a:buClrTx/>
+                        <a:buSzTx/>
+                        <a:buFontTx/>
+                        <a:buNone/>
+                        <a:tabLst/>
+                        <a:defRPr/>
+                      </a:pPr>
+                      <a:r>
+                        <a:rPr lang="en-US" dirty="0" smtClean="0"/>
+                        <a:t>0.3608655 </a:t>
+                      </a:r>
+                      <a:r>
+                        <a:rPr lang="en-US" dirty="0" smtClean="0"/>
+                        <a:t>(With almost</a:t>
+                      </a:r>
+                      <a:r>
+                        <a:rPr lang="en-US" baseline="0" dirty="0" smtClean="0"/>
+                        <a:t> all</a:t>
+                      </a:r>
+                      <a:r>
+                        <a:rPr lang="en-US" dirty="0" smtClean="0"/>
+                        <a:t> columns)</a:t>
+                      </a:r>
+                    </a:p>
+                  </a:txBody>
+                  <a:tcPr/>
+                </a:tc>
+              </a:tr>
+              <a:tr h="370840">
+                <a:tc>
+                  <a:txBody>
+                    <a:bodyPr/>
+                    <a:lstStyle/>
+                    <a:p>
+                      <a:r>
+                        <a:rPr lang="en-US" dirty="0" smtClean="0"/>
+                        <a:t>KNN (K=25)</a:t>
                       </a:r>
                       <a:endParaRPr lang="en-US" dirty="0"/>
                     </a:p>
@@ -7849,7 +7928,7 @@
                     <a:p>
                       <a:r>
                         <a:rPr lang="en-US" dirty="0" smtClean="0"/>
-                        <a:t>0.7200471</a:t>
+                        <a:t>0.3615391 (With partial columns)</a:t>
                       </a:r>
                       <a:endParaRPr lang="en-US" dirty="0"/>
                     </a:p>
@@ -7865,7 +7944,65 @@
                     <a:p>
                       <a:r>
                         <a:rPr lang="en-US" dirty="0" smtClean="0"/>
-                        <a:t>KKNN (k=5)</a:t>
+                        <a:t>KKNN (K=25)</a:t>
+                      </a:r>
+                      <a:endParaRPr lang="en-US" dirty="0"/>
+                    </a:p>
+                  </a:txBody>
+                  <a:tcPr/>
+                </a:tc>
+                <a:tc>
+                  <a:txBody>
+                    <a:bodyPr/>
+                    <a:lstStyle/>
+                    <a:p>
+                      <a:pPr marL="0" marR="0" lvl="0" indent="0" algn="l" defTabSz="457200" rtl="0" eaLnBrk="1" fontAlgn="auto" latinLnBrk="0" hangingPunct="1">
+                        <a:lnSpc>
+                          <a:spcPct val="100000"/>
+                        </a:lnSpc>
+                        <a:spcBef>
+                          <a:spcPts val="0"/>
+                        </a:spcBef>
+                        <a:spcAft>
+                          <a:spcPts val="0"/>
+                        </a:spcAft>
+                        <a:buClrTx/>
+                        <a:buSzTx/>
+                        <a:buFontTx/>
+                        <a:buNone/>
+                        <a:tabLst/>
+                        <a:defRPr/>
+                      </a:pPr>
+                      <a:r>
+                        <a:rPr lang="en-US" dirty="0" smtClean="0"/>
+                        <a:t>0.424097 </a:t>
+                      </a:r>
+                      <a:r>
+                        <a:rPr lang="en-US" dirty="0" smtClean="0"/>
+                        <a:t>(With almost</a:t>
+                      </a:r>
+                      <a:r>
+                        <a:rPr lang="en-US" baseline="0" dirty="0" smtClean="0"/>
+                        <a:t> all</a:t>
+                      </a:r>
+                      <a:r>
+                        <a:rPr lang="en-US" dirty="0" smtClean="0"/>
+                        <a:t> columns)</a:t>
+                      </a:r>
+                    </a:p>
+                  </a:txBody>
+                  <a:tcPr/>
+                </a:tc>
+              </a:tr>
+              <a:tr h="370840">
+                <a:tc>
+                  <a:txBody>
+                    <a:bodyPr/>
+                    <a:lstStyle/>
+                    <a:p>
+                      <a:r>
+                        <a:rPr lang="en-US" dirty="0" smtClean="0"/>
+                        <a:t>KKNN (K=25)</a:t>
                       </a:r>
                       <a:endParaRPr lang="en-US" dirty="0"/>
                     </a:p>
@@ -7879,21 +8016,11 @@
                     <a:p>
                       <a:r>
                         <a:rPr lang="en-US" dirty="0" smtClean="0"/>
-                        <a:t>0.6526901</a:t>
+                        <a:t>0.4208975 </a:t>
                       </a:r>
-                      <a:endParaRPr lang="en-US" dirty="0"/>
-                    </a:p>
-                  </a:txBody>
-                  <a:tcPr/>
-                </a:tc>
-                <a:tc>
-                  <a:txBody>
-                    <a:bodyPr/>
-                    <a:lstStyle/>
-                    <a:p>
                       <a:r>
                         <a:rPr lang="en-US" dirty="0" smtClean="0"/>
-                        <a:t>0.6772754</a:t>
+                        <a:t>(With partial columns)</a:t>
                       </a:r>
                       <a:endParaRPr lang="en-US" dirty="0"/>
                     </a:p>
@@ -7921,9 +8048,53 @@
                     <a:bodyPr/>
                     <a:lstStyle/>
                     <a:p>
+                      <a:pPr marL="0" marR="0" lvl="0" indent="0" algn="l" defTabSz="457200" rtl="0" eaLnBrk="1" fontAlgn="auto" latinLnBrk="0" hangingPunct="1">
+                        <a:lnSpc>
+                          <a:spcPct val="100000"/>
+                        </a:lnSpc>
+                        <a:spcBef>
+                          <a:spcPts val="0"/>
+                        </a:spcBef>
+                        <a:spcAft>
+                          <a:spcPts val="0"/>
+                        </a:spcAft>
+                        <a:buClrTx/>
+                        <a:buSzTx/>
+                        <a:buFontTx/>
+                        <a:buNone/>
+                        <a:tabLst/>
+                        <a:defRPr/>
+                      </a:pPr>
                       <a:r>
                         <a:rPr lang="en-US" dirty="0" smtClean="0"/>
-                        <a:t>0.885072</a:t>
+                        <a:t>0.114928 </a:t>
+                      </a:r>
+                      <a:r>
+                        <a:rPr lang="en-US" dirty="0" smtClean="0"/>
+                        <a:t>(With almost</a:t>
+                      </a:r>
+                      <a:r>
+                        <a:rPr lang="en-US" baseline="0" dirty="0" smtClean="0"/>
+                        <a:t> all</a:t>
+                      </a:r>
+                      <a:r>
+                        <a:rPr lang="en-US" dirty="0" smtClean="0"/>
+                        <a:t> columns)</a:t>
+                      </a:r>
+                    </a:p>
+                  </a:txBody>
+                  <a:tcPr/>
+                </a:tc>
+              </a:tr>
+              <a:tr h="370840">
+                <a:tc>
+                  <a:txBody>
+                    <a:bodyPr/>
+                    <a:lstStyle/>
+                    <a:p>
+                      <a:r>
+                        <a:rPr lang="en-US" dirty="0" smtClean="0"/>
+                        <a:t>KMEANS</a:t>
                       </a:r>
                       <a:endParaRPr lang="en-US" dirty="0"/>
                     </a:p>
@@ -7935,9 +8106,38 @@
                     <a:bodyPr/>
                     <a:lstStyle/>
                     <a:p>
+                      <a:pPr marL="0" marR="0" lvl="0" indent="0" algn="l" defTabSz="457200" rtl="0" eaLnBrk="1" fontAlgn="auto" latinLnBrk="0" hangingPunct="1">
+                        <a:lnSpc>
+                          <a:spcPct val="100000"/>
+                        </a:lnSpc>
+                        <a:spcBef>
+                          <a:spcPts val="0"/>
+                        </a:spcBef>
+                        <a:spcAft>
+                          <a:spcPts val="0"/>
+                        </a:spcAft>
+                        <a:buClrTx/>
+                        <a:buSzTx/>
+                        <a:buFontTx/>
+                        <a:buNone/>
+                        <a:tabLst/>
+                        <a:defRPr/>
+                      </a:pPr>
                       <a:r>
-                        <a:rPr lang="en-US" dirty="0" smtClean="0"/>
-                        <a:t>0.8698324</a:t>
+                        <a:rPr lang="en-US" smtClean="0"/>
+                        <a:t> 0.1336196</a:t>
+                      </a:r>
+                      <a:r>
+                        <a:rPr lang="en-US" smtClean="0"/>
+                        <a:t>(With almost</a:t>
+                      </a:r>
+                      <a:r>
+                        <a:rPr lang="en-US" baseline="0" smtClean="0"/>
+                        <a:t> all</a:t>
+                      </a:r>
+                      <a:r>
+                        <a:rPr lang="en-US" smtClean="0"/>
+                        <a:t> columns)</a:t>
                       </a:r>
                     </a:p>
                   </a:txBody>
@@ -8704,10 +8904,9 @@
           </a:p>
           <a:p>
             <a:r>
-              <a:rPr lang="en-US" smtClean="0"/>
+              <a:rPr lang="en-US" dirty="0" smtClean="0"/>
               <a:t>C 4.5</a:t>
             </a:r>
-            <a:endParaRPr lang="en-US" dirty="0" smtClean="0"/>
           </a:p>
           <a:p>
             <a:endParaRPr lang="en-US" dirty="0"/>
